--- a/10주차/시계 디자인_1110_김동욱.pptx
+++ b/10주차/시계 디자인_1110_김동욱.pptx
@@ -105,6 +105,11 @@
       </a:defRPr>
     </a:lvl9pPr>
   </p:defaultTextStyle>
+  <p:extLst>
+    <p:ext uri="{EFAFB233-063F-42B5-8137-9DF3F51BA10A}">
+      <p15:sldGuideLst xmlns:p15="http://schemas.microsoft.com/office/powerpoint/2012/main"/>
+    </p:ext>
+  </p:extLst>
 </p:presentation>
 </file>
 
@@ -255,7 +260,7 @@
           <a:p>
             <a:fld id="{B0A351AE-9EA0-486A-8E39-3CC72DD496AF}" type="datetimeFigureOut">
               <a:rPr lang="ko-KR" altLang="en-US" smtClean="0"/>
-              <a:t>2018-11-10</a:t>
+              <a:t>2018-11-12</a:t>
             </a:fld>
             <a:endParaRPr lang="ko-KR" altLang="en-US"/>
           </a:p>
@@ -453,7 +458,7 @@
           <a:p>
             <a:fld id="{B0A351AE-9EA0-486A-8E39-3CC72DD496AF}" type="datetimeFigureOut">
               <a:rPr lang="ko-KR" altLang="en-US" smtClean="0"/>
-              <a:t>2018-11-10</a:t>
+              <a:t>2018-11-12</a:t>
             </a:fld>
             <a:endParaRPr lang="ko-KR" altLang="en-US"/>
           </a:p>
@@ -661,7 +666,7 @@
           <a:p>
             <a:fld id="{B0A351AE-9EA0-486A-8E39-3CC72DD496AF}" type="datetimeFigureOut">
               <a:rPr lang="ko-KR" altLang="en-US" smtClean="0"/>
-              <a:t>2018-11-10</a:t>
+              <a:t>2018-11-12</a:t>
             </a:fld>
             <a:endParaRPr lang="ko-KR" altLang="en-US"/>
           </a:p>
@@ -859,7 +864,7 @@
           <a:p>
             <a:fld id="{B0A351AE-9EA0-486A-8E39-3CC72DD496AF}" type="datetimeFigureOut">
               <a:rPr lang="ko-KR" altLang="en-US" smtClean="0"/>
-              <a:t>2018-11-10</a:t>
+              <a:t>2018-11-12</a:t>
             </a:fld>
             <a:endParaRPr lang="ko-KR" altLang="en-US"/>
           </a:p>
@@ -1134,7 +1139,7 @@
           <a:p>
             <a:fld id="{B0A351AE-9EA0-486A-8E39-3CC72DD496AF}" type="datetimeFigureOut">
               <a:rPr lang="ko-KR" altLang="en-US" smtClean="0"/>
-              <a:t>2018-11-10</a:t>
+              <a:t>2018-11-12</a:t>
             </a:fld>
             <a:endParaRPr lang="ko-KR" altLang="en-US"/>
           </a:p>
@@ -1399,7 +1404,7 @@
           <a:p>
             <a:fld id="{B0A351AE-9EA0-486A-8E39-3CC72DD496AF}" type="datetimeFigureOut">
               <a:rPr lang="ko-KR" altLang="en-US" smtClean="0"/>
-              <a:t>2018-11-10</a:t>
+              <a:t>2018-11-12</a:t>
             </a:fld>
             <a:endParaRPr lang="ko-KR" altLang="en-US"/>
           </a:p>
@@ -1811,7 +1816,7 @@
           <a:p>
             <a:fld id="{B0A351AE-9EA0-486A-8E39-3CC72DD496AF}" type="datetimeFigureOut">
               <a:rPr lang="ko-KR" altLang="en-US" smtClean="0"/>
-              <a:t>2018-11-10</a:t>
+              <a:t>2018-11-12</a:t>
             </a:fld>
             <a:endParaRPr lang="ko-KR" altLang="en-US"/>
           </a:p>
@@ -1952,7 +1957,7 @@
           <a:p>
             <a:fld id="{B0A351AE-9EA0-486A-8E39-3CC72DD496AF}" type="datetimeFigureOut">
               <a:rPr lang="ko-KR" altLang="en-US" smtClean="0"/>
-              <a:t>2018-11-10</a:t>
+              <a:t>2018-11-12</a:t>
             </a:fld>
             <a:endParaRPr lang="ko-KR" altLang="en-US"/>
           </a:p>
@@ -2065,7 +2070,7 @@
           <a:p>
             <a:fld id="{B0A351AE-9EA0-486A-8E39-3CC72DD496AF}" type="datetimeFigureOut">
               <a:rPr lang="ko-KR" altLang="en-US" smtClean="0"/>
-              <a:t>2018-11-10</a:t>
+              <a:t>2018-11-12</a:t>
             </a:fld>
             <a:endParaRPr lang="ko-KR" altLang="en-US"/>
           </a:p>
@@ -2376,7 +2381,7 @@
           <a:p>
             <a:fld id="{B0A351AE-9EA0-486A-8E39-3CC72DD496AF}" type="datetimeFigureOut">
               <a:rPr lang="ko-KR" altLang="en-US" smtClean="0"/>
-              <a:t>2018-11-10</a:t>
+              <a:t>2018-11-12</a:t>
             </a:fld>
             <a:endParaRPr lang="ko-KR" altLang="en-US"/>
           </a:p>
@@ -2664,7 +2669,7 @@
           <a:p>
             <a:fld id="{B0A351AE-9EA0-486A-8E39-3CC72DD496AF}" type="datetimeFigureOut">
               <a:rPr lang="ko-KR" altLang="en-US" smtClean="0"/>
-              <a:t>2018-11-10</a:t>
+              <a:t>2018-11-12</a:t>
             </a:fld>
             <a:endParaRPr lang="ko-KR" altLang="en-US"/>
           </a:p>
@@ -2905,7 +2910,7 @@
           <a:p>
             <a:fld id="{B0A351AE-9EA0-486A-8E39-3CC72DD496AF}" type="datetimeFigureOut">
               <a:rPr lang="ko-KR" altLang="en-US" smtClean="0"/>
-              <a:t>2018-11-10</a:t>
+              <a:t>2018-11-12</a:t>
             </a:fld>
             <a:endParaRPr lang="ko-KR" altLang="en-US"/>
           </a:p>
@@ -3322,53 +3327,6 @@
           <a:chExt cx="0" cy="0"/>
         </a:xfrm>
       </p:grpSpPr>
-      <p:pic>
-        <p:nvPicPr>
-          <p:cNvPr id="1026" name="Picture 2" descr="ë²½ê±¸ì´ìê³ ëìì¸ì ëí ì´ë¯¸ì§ ê²ìê²°ê³¼">
-            <a:extLst>
-              <a:ext uri="{FF2B5EF4-FFF2-40B4-BE49-F238E27FC236}">
-                <a16:creationId xmlns:a16="http://schemas.microsoft.com/office/drawing/2014/main" id="{DDE40716-7A09-4FC5-9817-85CE0D751091}"/>
-              </a:ext>
-            </a:extLst>
-          </p:cNvPr>
-          <p:cNvPicPr>
-            <a:picLocks noChangeAspect="1" noChangeArrowheads="1"/>
-          </p:cNvPicPr>
-          <p:nvPr/>
-        </p:nvPicPr>
-        <p:blipFill>
-          <a:blip r:embed="rId2">
-            <a:extLst>
-              <a:ext uri="{28A0092B-C50C-407E-A947-70E740481C1C}">
-                <a14:useLocalDpi xmlns:a14="http://schemas.microsoft.com/office/drawing/2010/main" val="0"/>
-              </a:ext>
-            </a:extLst>
-          </a:blip>
-          <a:srcRect/>
-          <a:stretch>
-            <a:fillRect/>
-          </a:stretch>
-        </p:blipFill>
-        <p:spPr bwMode="auto">
-          <a:xfrm>
-            <a:off x="8689437" y="2622290"/>
-            <a:ext cx="2434284" cy="2434284"/>
-          </a:xfrm>
-          <a:prstGeom prst="rect">
-            <a:avLst/>
-          </a:prstGeom>
-          <a:noFill/>
-          <a:extLst>
-            <a:ext uri="{909E8E84-426E-40DD-AFC4-6F175D3DCCD1}">
-              <a14:hiddenFill xmlns:a14="http://schemas.microsoft.com/office/drawing/2010/main">
-                <a:solidFill>
-                  <a:srgbClr val="FFFFFF"/>
-                </a:solidFill>
-              </a14:hiddenFill>
-            </a:ext>
-          </a:extLst>
-        </p:spPr>
-      </p:pic>
       <p:sp>
         <p:nvSpPr>
           <p:cNvPr id="4" name="타원 3">
@@ -5069,7 +5027,7 @@
           <p:nvPr/>
         </p:nvPicPr>
         <p:blipFill>
-          <a:blip r:embed="rId3">
+          <a:blip r:embed="rId2" cstate="hqprint">
             <a:extLst>
               <a:ext uri="{28A0092B-C50C-407E-A947-70E740481C1C}">
                 <a14:useLocalDpi xmlns:a14="http://schemas.microsoft.com/office/drawing/2010/main" val="0"/>
@@ -5116,7 +5074,7 @@
           <p:nvPr/>
         </p:nvPicPr>
         <p:blipFill>
-          <a:blip r:embed="rId3">
+          <a:blip r:embed="rId2" cstate="hqprint">
             <a:extLst>
               <a:ext uri="{28A0092B-C50C-407E-A947-70E740481C1C}">
                 <a14:useLocalDpi xmlns:a14="http://schemas.microsoft.com/office/drawing/2010/main" val="0"/>
@@ -5163,7 +5121,7 @@
           <p:nvPr/>
         </p:nvPicPr>
         <p:blipFill>
-          <a:blip r:embed="rId3">
+          <a:blip r:embed="rId2" cstate="hqprint">
             <a:extLst>
               <a:ext uri="{28A0092B-C50C-407E-A947-70E740481C1C}">
                 <a14:useLocalDpi xmlns:a14="http://schemas.microsoft.com/office/drawing/2010/main" val="0"/>
@@ -5210,7 +5168,7 @@
           <p:nvPr/>
         </p:nvPicPr>
         <p:blipFill>
-          <a:blip r:embed="rId3">
+          <a:blip r:embed="rId2" cstate="hqprint">
             <a:extLst>
               <a:ext uri="{28A0092B-C50C-407E-A947-70E740481C1C}">
                 <a14:useLocalDpi xmlns:a14="http://schemas.microsoft.com/office/drawing/2010/main" val="0"/>
@@ -5257,7 +5215,7 @@
           <p:nvPr/>
         </p:nvPicPr>
         <p:blipFill>
-          <a:blip r:embed="rId3">
+          <a:blip r:embed="rId2" cstate="hqprint">
             <a:extLst>
               <a:ext uri="{28A0092B-C50C-407E-A947-70E740481C1C}">
                 <a14:useLocalDpi xmlns:a14="http://schemas.microsoft.com/office/drawing/2010/main" val="0"/>
@@ -5304,7 +5262,7 @@
           <p:nvPr/>
         </p:nvPicPr>
         <p:blipFill>
-          <a:blip r:embed="rId3">
+          <a:blip r:embed="rId2" cstate="hqprint">
             <a:extLst>
               <a:ext uri="{28A0092B-C50C-407E-A947-70E740481C1C}">
                 <a14:useLocalDpi xmlns:a14="http://schemas.microsoft.com/office/drawing/2010/main" val="0"/>
@@ -5351,7 +5309,7 @@
           <p:nvPr/>
         </p:nvPicPr>
         <p:blipFill>
-          <a:blip r:embed="rId3">
+          <a:blip r:embed="rId2" cstate="hqprint">
             <a:extLst>
               <a:ext uri="{28A0092B-C50C-407E-A947-70E740481C1C}">
                 <a14:useLocalDpi xmlns:a14="http://schemas.microsoft.com/office/drawing/2010/main" val="0"/>
@@ -5398,7 +5356,7 @@
           <p:nvPr/>
         </p:nvPicPr>
         <p:blipFill>
-          <a:blip r:embed="rId3">
+          <a:blip r:embed="rId2" cstate="hqprint">
             <a:extLst>
               <a:ext uri="{28A0092B-C50C-407E-A947-70E740481C1C}">
                 <a14:useLocalDpi xmlns:a14="http://schemas.microsoft.com/office/drawing/2010/main" val="0"/>
@@ -5445,7 +5403,7 @@
           <p:nvPr/>
         </p:nvPicPr>
         <p:blipFill>
-          <a:blip r:embed="rId3">
+          <a:blip r:embed="rId2" cstate="hqprint">
             <a:extLst>
               <a:ext uri="{28A0092B-C50C-407E-A947-70E740481C1C}">
                 <a14:useLocalDpi xmlns:a14="http://schemas.microsoft.com/office/drawing/2010/main" val="0"/>
@@ -5492,7 +5450,7 @@
           <p:nvPr/>
         </p:nvPicPr>
         <p:blipFill>
-          <a:blip r:embed="rId3">
+          <a:blip r:embed="rId2" cstate="hqprint">
             <a:extLst>
               <a:ext uri="{28A0092B-C50C-407E-A947-70E740481C1C}">
                 <a14:useLocalDpi xmlns:a14="http://schemas.microsoft.com/office/drawing/2010/main" val="0"/>
@@ -5539,7 +5497,7 @@
           <p:nvPr/>
         </p:nvPicPr>
         <p:blipFill>
-          <a:blip r:embed="rId3">
+          <a:blip r:embed="rId2" cstate="hqprint">
             <a:extLst>
               <a:ext uri="{28A0092B-C50C-407E-A947-70E740481C1C}">
                 <a14:useLocalDpi xmlns:a14="http://schemas.microsoft.com/office/drawing/2010/main" val="0"/>
@@ -5586,7 +5544,7 @@
           <p:nvPr/>
         </p:nvPicPr>
         <p:blipFill>
-          <a:blip r:embed="rId3">
+          <a:blip r:embed="rId2" cstate="hqprint">
             <a:extLst>
               <a:ext uri="{28A0092B-C50C-407E-A947-70E740481C1C}">
                 <a14:useLocalDpi xmlns:a14="http://schemas.microsoft.com/office/drawing/2010/main" val="0"/>
@@ -5886,6 +5844,53 @@
           </a:p>
         </p:txBody>
       </p:sp>
+      <p:pic>
+        <p:nvPicPr>
+          <p:cNvPr id="1026" name="Picture 2" descr="ë²½ê±¸ì´ìê³ ëìì¸ì ëí ì´ë¯¸ì§ ê²ìê²°ê³¼">
+            <a:extLst>
+              <a:ext uri="{FF2B5EF4-FFF2-40B4-BE49-F238E27FC236}">
+                <a16:creationId xmlns:a16="http://schemas.microsoft.com/office/drawing/2014/main" id="{DDE40716-7A09-4FC5-9817-85CE0D751091}"/>
+              </a:ext>
+            </a:extLst>
+          </p:cNvPr>
+          <p:cNvPicPr>
+            <a:picLocks noChangeAspect="1" noChangeArrowheads="1"/>
+          </p:cNvPicPr>
+          <p:nvPr/>
+        </p:nvPicPr>
+        <p:blipFill>
+          <a:blip r:embed="rId3">
+            <a:extLst>
+              <a:ext uri="{28A0092B-C50C-407E-A947-70E740481C1C}">
+                <a14:useLocalDpi xmlns:a14="http://schemas.microsoft.com/office/drawing/2010/main" val="0"/>
+              </a:ext>
+            </a:extLst>
+          </a:blip>
+          <a:srcRect/>
+          <a:stretch>
+            <a:fillRect/>
+          </a:stretch>
+        </p:blipFill>
+        <p:spPr bwMode="auto">
+          <a:xfrm>
+            <a:off x="2734611" y="336468"/>
+            <a:ext cx="6714047" cy="6714047"/>
+          </a:xfrm>
+          <a:prstGeom prst="rect">
+            <a:avLst/>
+          </a:prstGeom>
+          <a:noFill/>
+          <a:extLst>
+            <a:ext uri="{909E8E84-426E-40DD-AFC4-6F175D3DCCD1}">
+              <a14:hiddenFill xmlns:a14="http://schemas.microsoft.com/office/drawing/2010/main">
+                <a:solidFill>
+                  <a:srgbClr val="FFFFFF"/>
+                </a:solidFill>
+              </a14:hiddenFill>
+            </a:ext>
+          </a:extLst>
+        </p:spPr>
+      </p:pic>
     </p:spTree>
     <p:extLst>
       <p:ext uri="{BB962C8B-B14F-4D97-AF65-F5344CB8AC3E}">
